--- a/iTrain - CSS.pptx
+++ b/iTrain - CSS.pptx
@@ -5,7 +5,7 @@
     <p:sldMasterId id="2147483672" r:id="rId1"/>
   </p:sldMasterIdLst>
   <p:notesMasterIdLst>
-    <p:notesMasterId r:id="rId17"/>
+    <p:notesMasterId r:id="rId19"/>
   </p:notesMasterIdLst>
   <p:sldIdLst>
     <p:sldId id="257" r:id="rId2"/>
@@ -23,6 +23,8 @@
     <p:sldId id="302" r:id="rId14"/>
     <p:sldId id="303" r:id="rId15"/>
     <p:sldId id="266" r:id="rId16"/>
+    <p:sldId id="306" r:id="rId17"/>
+    <p:sldId id="307" r:id="rId18"/>
   </p:sldIdLst>
   <p:sldSz cx="12192000" cy="6858000"/>
   <p:notesSz cx="6858000" cy="9144000"/>
@@ -2545,7 +2547,7 @@
           <a:p>
             <a:fld id="{BC1C655F-54C7-4D03-AD26-E0C40F01563A}" type="datetimeFigureOut">
               <a:rPr lang="id-ID" smtClean="0"/>
-              <a:t>03/04/2019</a:t>
+              <a:t>11/04/2019</a:t>
             </a:fld>
             <a:endParaRPr lang="id-ID"/>
           </a:p>
@@ -2944,7 +2946,7 @@
           <a:p>
             <a:fld id="{14F96FE2-9E77-4834-9C6B-212E1056298F}" type="datetimeFigureOut">
               <a:rPr lang="en-US" smtClean="0"/>
-              <a:t>4/3/2019</a:t>
+              <a:t>4/11/2019</a:t>
             </a:fld>
             <a:endParaRPr lang="en-US" dirty="0"/>
           </a:p>
@@ -3201,7 +3203,7 @@
           <a:p>
             <a:fld id="{14F96FE2-9E77-4834-9C6B-212E1056298F}" type="datetimeFigureOut">
               <a:rPr lang="en-US" smtClean="0"/>
-              <a:t>4/3/2019</a:t>
+              <a:t>4/11/2019</a:t>
             </a:fld>
             <a:endParaRPr lang="en-US" dirty="0"/>
           </a:p>
@@ -3371,7 +3373,7 @@
           <a:p>
             <a:fld id="{14F96FE2-9E77-4834-9C6B-212E1056298F}" type="datetimeFigureOut">
               <a:rPr lang="en-US" smtClean="0"/>
-              <a:t>4/3/2019</a:t>
+              <a:t>4/11/2019</a:t>
             </a:fld>
             <a:endParaRPr lang="en-US" dirty="0"/>
           </a:p>
@@ -3551,7 +3553,7 @@
           <a:p>
             <a:fld id="{14F96FE2-9E77-4834-9C6B-212E1056298F}" type="datetimeFigureOut">
               <a:rPr lang="en-US" smtClean="0"/>
-              <a:t>4/3/2019</a:t>
+              <a:t>4/11/2019</a:t>
             </a:fld>
             <a:endParaRPr lang="en-US" dirty="0"/>
           </a:p>
@@ -3721,7 +3723,7 @@
           <a:p>
             <a:fld id="{14F96FE2-9E77-4834-9C6B-212E1056298F}" type="datetimeFigureOut">
               <a:rPr lang="en-US" smtClean="0"/>
-              <a:t>4/3/2019</a:t>
+              <a:t>4/11/2019</a:t>
             </a:fld>
             <a:endParaRPr lang="en-US" dirty="0"/>
           </a:p>
@@ -3967,7 +3969,7 @@
           <a:p>
             <a:fld id="{14F96FE2-9E77-4834-9C6B-212E1056298F}" type="datetimeFigureOut">
               <a:rPr lang="en-US" smtClean="0"/>
-              <a:t>4/3/2019</a:t>
+              <a:t>4/11/2019</a:t>
             </a:fld>
             <a:endParaRPr lang="en-US" dirty="0"/>
           </a:p>
@@ -4199,7 +4201,7 @@
           <a:p>
             <a:fld id="{14F96FE2-9E77-4834-9C6B-212E1056298F}" type="datetimeFigureOut">
               <a:rPr lang="en-US" smtClean="0"/>
-              <a:t>4/3/2019</a:t>
+              <a:t>4/11/2019</a:t>
             </a:fld>
             <a:endParaRPr lang="en-US" dirty="0"/>
           </a:p>
@@ -4566,7 +4568,7 @@
           <a:p>
             <a:fld id="{14F96FE2-9E77-4834-9C6B-212E1056298F}" type="datetimeFigureOut">
               <a:rPr lang="en-US" smtClean="0"/>
-              <a:t>4/3/2019</a:t>
+              <a:t>4/11/2019</a:t>
             </a:fld>
             <a:endParaRPr lang="en-US" dirty="0"/>
           </a:p>
@@ -4684,7 +4686,7 @@
           <a:p>
             <a:fld id="{14F96FE2-9E77-4834-9C6B-212E1056298F}" type="datetimeFigureOut">
               <a:rPr lang="en-US" smtClean="0"/>
-              <a:t>4/3/2019</a:t>
+              <a:t>4/11/2019</a:t>
             </a:fld>
             <a:endParaRPr lang="en-US" dirty="0"/>
           </a:p>
@@ -4779,7 +4781,7 @@
           <a:p>
             <a:fld id="{14F96FE2-9E77-4834-9C6B-212E1056298F}" type="datetimeFigureOut">
               <a:rPr lang="en-US" smtClean="0"/>
-              <a:t>4/3/2019</a:t>
+              <a:t>4/11/2019</a:t>
             </a:fld>
             <a:endParaRPr lang="en-US" dirty="0"/>
           </a:p>
@@ -5082,7 +5084,7 @@
           <a:p>
             <a:fld id="{14F96FE2-9E77-4834-9C6B-212E1056298F}" type="datetimeFigureOut">
               <a:rPr lang="en-US" smtClean="0"/>
-              <a:t>4/3/2019</a:t>
+              <a:t>4/11/2019</a:t>
             </a:fld>
             <a:endParaRPr lang="en-US" dirty="0"/>
           </a:p>
@@ -5775,7 +5777,7 @@
           <a:p>
             <a:fld id="{14F96FE2-9E77-4834-9C6B-212E1056298F}" type="datetimeFigureOut">
               <a:rPr lang="en-US" smtClean="0"/>
-              <a:t>4/3/2019</a:t>
+              <a:t>4/11/2019</a:t>
             </a:fld>
             <a:endParaRPr lang="en-US" dirty="0"/>
           </a:p>
@@ -5988,7 +5990,7 @@
           <a:p>
             <a:fld id="{14F96FE2-9E77-4834-9C6B-212E1056298F}" type="datetimeFigureOut">
               <a:rPr lang="en-US" smtClean="0"/>
-              <a:t>4/3/2019</a:t>
+              <a:t>4/11/2019</a:t>
             </a:fld>
             <a:endParaRPr lang="en-US" dirty="0"/>
           </a:p>
@@ -6473,7 +6475,7 @@
           <p:cNvPr id="19" name="Rectangle 18">
             <a:extLst>
               <a:ext uri="{C183D7F6-B498-43B3-948B-1728B52AA6E4}">
-                <adec:decorative xmlns="" xmlns:adec="http://schemas.microsoft.com/office/drawing/2017/decorative" val="1"/>
+                <adec:decorative xmlns:adec="http://schemas.microsoft.com/office/drawing/2017/decorative" xmlns="" val="1"/>
               </a:ext>
             </a:extLst>
           </p:cNvPr>
@@ -6733,7 +6735,7 @@
           <p:cNvPr id="103" name="Freeform 102">
             <a:extLst>
               <a:ext uri="{C183D7F6-B498-43B3-948B-1728B52AA6E4}">
-                <adec:decorative xmlns="" xmlns:adec="http://schemas.microsoft.com/office/drawing/2017/decorative" val="1"/>
+                <adec:decorative xmlns:adec="http://schemas.microsoft.com/office/drawing/2017/decorative" xmlns="" val="1"/>
               </a:ext>
             </a:extLst>
           </p:cNvPr>
@@ -7346,7 +7348,7 @@
           <p:cNvPr id="103" name="Freeform 102">
             <a:extLst>
               <a:ext uri="{C183D7F6-B498-43B3-948B-1728B52AA6E4}">
-                <adec:decorative xmlns="" xmlns:adec="http://schemas.microsoft.com/office/drawing/2017/decorative" val="1"/>
+                <adec:decorative xmlns:adec="http://schemas.microsoft.com/office/drawing/2017/decorative" xmlns="" val="1"/>
               </a:ext>
             </a:extLst>
           </p:cNvPr>
@@ -7915,7 +7917,7 @@
           <p:cNvPr id="103" name="Freeform 102">
             <a:extLst>
               <a:ext uri="{C183D7F6-B498-43B3-948B-1728B52AA6E4}">
-                <adec:decorative xmlns="" xmlns:adec="http://schemas.microsoft.com/office/drawing/2017/decorative" val="1"/>
+                <adec:decorative xmlns:adec="http://schemas.microsoft.com/office/drawing/2017/decorative" xmlns="" val="1"/>
               </a:ext>
             </a:extLst>
           </p:cNvPr>
@@ -8482,7 +8484,7 @@
           <p:cNvPr id="103" name="Freeform 102">
             <a:extLst>
               <a:ext uri="{C183D7F6-B498-43B3-948B-1728B52AA6E4}">
-                <adec:decorative xmlns="" xmlns:adec="http://schemas.microsoft.com/office/drawing/2017/decorative" val="1"/>
+                <adec:decorative xmlns:adec="http://schemas.microsoft.com/office/drawing/2017/decorative" xmlns="" val="1"/>
               </a:ext>
             </a:extLst>
           </p:cNvPr>
@@ -9090,7 +9092,7 @@
           <p:cNvPr id="103" name="Freeform 102">
             <a:extLst>
               <a:ext uri="{C183D7F6-B498-43B3-948B-1728B52AA6E4}">
-                <adec:decorative xmlns="" xmlns:adec="http://schemas.microsoft.com/office/drawing/2017/decorative" val="1"/>
+                <adec:decorative xmlns:adec="http://schemas.microsoft.com/office/drawing/2017/decorative" xmlns="" val="1"/>
               </a:ext>
             </a:extLst>
           </p:cNvPr>
@@ -9627,7 +9629,7 @@
           <p:cNvPr id="6" name="Picture 5">
             <a:extLst>
               <a:ext uri="{C183D7F6-B498-43B3-948B-1728B52AA6E4}">
-                <adec:decorative xmlns="" xmlns:adec="http://schemas.microsoft.com/office/drawing/2017/decorative" val="1"/>
+                <adec:decorative xmlns:adec="http://schemas.microsoft.com/office/drawing/2017/decorative" xmlns="" val="1"/>
               </a:ext>
             </a:extLst>
           </p:cNvPr>
@@ -9707,7 +9709,7 @@
           <p:cNvPr id="5" name="Rectangle 4">
             <a:extLst>
               <a:ext uri="{C183D7F6-B498-43B3-948B-1728B52AA6E4}">
-                <adec:decorative xmlns="" xmlns:adec="http://schemas.microsoft.com/office/drawing/2017/decorative" val="1"/>
+                <adec:decorative xmlns:adec="http://schemas.microsoft.com/office/drawing/2017/decorative" xmlns="" val="1"/>
               </a:ext>
             </a:extLst>
           </p:cNvPr>
@@ -9772,7 +9774,7 @@
           <p:cNvPr id="21" name="Group 20">
             <a:extLst>
               <a:ext uri="{C183D7F6-B498-43B3-948B-1728B52AA6E4}">
-                <adec:decorative xmlns="" xmlns:adec="http://schemas.microsoft.com/office/drawing/2017/decorative" val="1"/>
+                <adec:decorative xmlns:adec="http://schemas.microsoft.com/office/drawing/2017/decorative" xmlns="" val="1"/>
               </a:ext>
             </a:extLst>
           </p:cNvPr>
@@ -9889,7 +9891,7 @@
           <p:cNvPr id="16" name="Oval 15">
             <a:extLst>
               <a:ext uri="{C183D7F6-B498-43B3-948B-1728B52AA6E4}">
-                <adec:decorative xmlns="" xmlns:adec="http://schemas.microsoft.com/office/drawing/2017/decorative" val="1"/>
+                <adec:decorative xmlns:adec="http://schemas.microsoft.com/office/drawing/2017/decorative" xmlns="" val="1"/>
               </a:ext>
             </a:extLst>
           </p:cNvPr>
@@ -9947,7 +9949,7 @@
           <p:cNvPr id="19" name="Oval 18">
             <a:extLst>
               <a:ext uri="{C183D7F6-B498-43B3-948B-1728B52AA6E4}">
-                <adec:decorative xmlns="" xmlns:adec="http://schemas.microsoft.com/office/drawing/2017/decorative" val="1"/>
+                <adec:decorative xmlns:adec="http://schemas.microsoft.com/office/drawing/2017/decorative" xmlns="" val="1"/>
               </a:ext>
             </a:extLst>
           </p:cNvPr>
@@ -10171,6 +10173,1137 @@
 </p:sld>
 </file>
 
+<file path=ppt/slides/slide16.xml><?xml version="1.0" encoding="utf-8"?>
+<p:sld xmlns:a="http://schemas.openxmlformats.org/drawingml/2006/main" xmlns:r="http://schemas.openxmlformats.org/officeDocument/2006/relationships" xmlns:p="http://schemas.openxmlformats.org/presentationml/2006/main">
+  <p:cSld>
+    <p:spTree>
+      <p:nvGrpSpPr>
+        <p:cNvPr id="1" name=""/>
+        <p:cNvGrpSpPr/>
+        <p:nvPr/>
+      </p:nvGrpSpPr>
+      <p:grpSpPr>
+        <a:xfrm>
+          <a:off x="0" y="0"/>
+          <a:ext cx="0" cy="0"/>
+          <a:chOff x="0" y="0"/>
+          <a:chExt cx="0" cy="0"/>
+        </a:xfrm>
+      </p:grpSpPr>
+      <p:sp>
+        <p:nvSpPr>
+          <p:cNvPr id="103" name="Freeform 102">
+            <a:extLst>
+              <a:ext uri="{C183D7F6-B498-43B3-948B-1728B52AA6E4}">
+                <adec:decorative xmlns:adec="http://schemas.microsoft.com/office/drawing/2017/decorative" xmlns="" val="1"/>
+              </a:ext>
+            </a:extLst>
+          </p:cNvPr>
+          <p:cNvSpPr/>
+          <p:nvPr/>
+        </p:nvSpPr>
+        <p:spPr>
+          <a:xfrm rot="2700000">
+            <a:off x="11788943" y="6333474"/>
+            <a:ext cx="527486" cy="603188"/>
+          </a:xfrm>
+          <a:custGeom>
+            <a:avLst/>
+            <a:gdLst>
+              <a:gd name="connsiteX0" fmla="*/ 110516 w 889463"/>
+              <a:gd name="connsiteY0" fmla="*/ 95275 h 1017114"/>
+              <a:gd name="connsiteX1" fmla="*/ 230452 w 889463"/>
+              <a:gd name="connsiteY1" fmla="*/ 14411 h 1017114"/>
+              <a:gd name="connsiteX2" fmla="*/ 276877 w 889463"/>
+              <a:gd name="connsiteY2" fmla="*/ 0 h 1017114"/>
+              <a:gd name="connsiteX3" fmla="*/ 889463 w 889463"/>
+              <a:gd name="connsiteY3" fmla="*/ 612585 h 1017114"/>
+              <a:gd name="connsiteX4" fmla="*/ 484934 w 889463"/>
+              <a:gd name="connsiteY4" fmla="*/ 1017114 h 1017114"/>
+              <a:gd name="connsiteX5" fmla="*/ 377324 w 889463"/>
+              <a:gd name="connsiteY5" fmla="*/ 1017114 h 1017114"/>
+              <a:gd name="connsiteX6" fmla="*/ 0 w 889463"/>
+              <a:gd name="connsiteY6" fmla="*/ 639790 h 1017114"/>
+              <a:gd name="connsiteX7" fmla="*/ 0 w 889463"/>
+              <a:gd name="connsiteY7" fmla="*/ 362083 h 1017114"/>
+              <a:gd name="connsiteX8" fmla="*/ 110516 w 889463"/>
+              <a:gd name="connsiteY8" fmla="*/ 95275 h 1017114"/>
+            </a:gdLst>
+            <a:ahLst/>
+            <a:cxnLst>
+              <a:cxn ang="0">
+                <a:pos x="connsiteX0" y="connsiteY0"/>
+              </a:cxn>
+              <a:cxn ang="0">
+                <a:pos x="connsiteX1" y="connsiteY1"/>
+              </a:cxn>
+              <a:cxn ang="0">
+                <a:pos x="connsiteX2" y="connsiteY2"/>
+              </a:cxn>
+              <a:cxn ang="0">
+                <a:pos x="connsiteX3" y="connsiteY3"/>
+              </a:cxn>
+              <a:cxn ang="0">
+                <a:pos x="connsiteX4" y="connsiteY4"/>
+              </a:cxn>
+              <a:cxn ang="0">
+                <a:pos x="connsiteX5" y="connsiteY5"/>
+              </a:cxn>
+              <a:cxn ang="0">
+                <a:pos x="connsiteX6" y="connsiteY6"/>
+              </a:cxn>
+              <a:cxn ang="0">
+                <a:pos x="connsiteX7" y="connsiteY7"/>
+              </a:cxn>
+              <a:cxn ang="0">
+                <a:pos x="connsiteX8" y="connsiteY8"/>
+              </a:cxn>
+            </a:cxnLst>
+            <a:rect l="l" t="t" r="r" b="b"/>
+            <a:pathLst>
+              <a:path w="889463" h="1017114">
+                <a:moveTo>
+                  <a:pt x="110516" y="95275"/>
+                </a:moveTo>
+                <a:cubicBezTo>
+                  <a:pt x="144657" y="61133"/>
+                  <a:pt x="185310" y="33504"/>
+                  <a:pt x="230452" y="14411"/>
+                </a:cubicBezTo>
+                <a:lnTo>
+                  <a:pt x="276877" y="0"/>
+                </a:lnTo>
+                <a:lnTo>
+                  <a:pt x="889463" y="612585"/>
+                </a:lnTo>
+                <a:lnTo>
+                  <a:pt x="484934" y="1017114"/>
+                </a:lnTo>
+                <a:lnTo>
+                  <a:pt x="377324" y="1017114"/>
+                </a:lnTo>
+                <a:cubicBezTo>
+                  <a:pt x="168934" y="1017114"/>
+                  <a:pt x="0" y="848180"/>
+                  <a:pt x="0" y="639790"/>
+                </a:cubicBezTo>
+                <a:lnTo>
+                  <a:pt x="0" y="362083"/>
+                </a:lnTo>
+                <a:cubicBezTo>
+                  <a:pt x="0" y="257888"/>
+                  <a:pt x="42234" y="163556"/>
+                  <a:pt x="110516" y="95275"/>
+                </a:cubicBezTo>
+                <a:close/>
+              </a:path>
+            </a:pathLst>
+          </a:custGeom>
+          <a:solidFill>
+            <a:schemeClr val="tx1">
+              <a:lumMod val="50000"/>
+              <a:lumOff val="50000"/>
+            </a:schemeClr>
+          </a:solidFill>
+          <a:ln>
+            <a:noFill/>
+          </a:ln>
+        </p:spPr>
+        <p:style>
+          <a:lnRef idx="2">
+            <a:schemeClr val="accent1">
+              <a:shade val="50000"/>
+            </a:schemeClr>
+          </a:lnRef>
+          <a:fillRef idx="1">
+            <a:schemeClr val="accent1"/>
+          </a:fillRef>
+          <a:effectRef idx="0">
+            <a:schemeClr val="accent1"/>
+          </a:effectRef>
+          <a:fontRef idx="minor">
+            <a:schemeClr val="lt1"/>
+          </a:fontRef>
+        </p:style>
+        <p:txBody>
+          <a:bodyPr wrap="square" rtlCol="0" anchor="ctr">
+            <a:noAutofit/>
+          </a:bodyPr>
+          <a:lstStyle/>
+          <a:p>
+            <a:pPr algn="ctr"/>
+            <a:endParaRPr lang="en-US" dirty="0">
+              <a:solidFill>
+                <a:srgbClr val="98A3AD"/>
+              </a:solidFill>
+            </a:endParaRPr>
+          </a:p>
+        </p:txBody>
+      </p:sp>
+      <p:sp>
+        <p:nvSpPr>
+          <p:cNvPr id="104" name="TextBox 103"/>
+          <p:cNvSpPr txBox="1"/>
+          <p:nvPr/>
+        </p:nvSpPr>
+        <p:spPr>
+          <a:xfrm>
+            <a:off x="11907454" y="6481180"/>
+            <a:ext cx="341760" cy="307777"/>
+          </a:xfrm>
+          <a:prstGeom prst="rect">
+            <a:avLst/>
+          </a:prstGeom>
+          <a:noFill/>
+        </p:spPr>
+        <p:txBody>
+          <a:bodyPr wrap="none" rtlCol="0">
+            <a:spAutoFit/>
+          </a:bodyPr>
+          <a:lstStyle/>
+          <a:p>
+            <a:r>
+              <a:rPr lang="en-US" sz="1400" b="1" dirty="0" smtClean="0">
+                <a:solidFill>
+                  <a:schemeClr val="bg1"/>
+                </a:solidFill>
+              </a:rPr>
+              <a:t>10</a:t>
+            </a:r>
+            <a:endParaRPr lang="en-US" sz="1400" b="1" dirty="0">
+              <a:solidFill>
+                <a:schemeClr val="bg1"/>
+              </a:solidFill>
+            </a:endParaRPr>
+          </a:p>
+        </p:txBody>
+      </p:sp>
+      <p:pic>
+        <p:nvPicPr>
+          <p:cNvPr id="49" name="Picture 48" descr="This is a logo that reads &quot;24Slides.&quot;">
+            <a:hlinkClick r:id="rId2"/>
+            <a:extLst>
+              <a:ext uri="{FF2B5EF4-FFF2-40B4-BE49-F238E27FC236}">
+                <a16:creationId xmlns:a16="http://schemas.microsoft.com/office/drawing/2014/main" id="{4252D655-5F2C-F447-B537-8C72930D0F51}"/>
+              </a:ext>
+            </a:extLst>
+          </p:cNvPr>
+          <p:cNvPicPr>
+            <a:picLocks noChangeAspect="1"/>
+          </p:cNvPicPr>
+          <p:nvPr/>
+        </p:nvPicPr>
+        <p:blipFill>
+          <a:blip r:embed="rId3"/>
+          <a:stretch>
+            <a:fillRect/>
+          </a:stretch>
+        </p:blipFill>
+        <p:spPr>
+          <a:xfrm>
+            <a:off x="463550" y="6209088"/>
+            <a:ext cx="1028700" cy="293902"/>
+          </a:xfrm>
+          <a:prstGeom prst="rect">
+            <a:avLst/>
+          </a:prstGeom>
+          <a:effectLst/>
+        </p:spPr>
+      </p:pic>
+      <p:sp>
+        <p:nvSpPr>
+          <p:cNvPr id="2" name="Title 1" hidden="1">
+            <a:extLst>
+              <a:ext uri="{FF2B5EF4-FFF2-40B4-BE49-F238E27FC236}">
+                <a16:creationId xmlns:a16="http://schemas.microsoft.com/office/drawing/2014/main" id="{9197F7D1-3F80-4C57-BE5E-6B2971CB1586}"/>
+              </a:ext>
+            </a:extLst>
+          </p:cNvPr>
+          <p:cNvSpPr>
+            <a:spLocks noGrp="1"/>
+          </p:cNvSpPr>
+          <p:nvPr>
+            <p:ph type="title"/>
+          </p:nvPr>
+        </p:nvSpPr>
+        <p:spPr/>
+        <p:txBody>
+          <a:bodyPr/>
+          <a:lstStyle/>
+          <a:p>
+            <a:r>
+              <a:rPr lang="en-US" dirty="0"/>
+              <a:t>Slide 12</a:t>
+            </a:r>
+          </a:p>
+        </p:txBody>
+      </p:sp>
+      <p:grpSp>
+        <p:nvGrpSpPr>
+          <p:cNvPr id="11" name="Group 10"/>
+          <p:cNvGrpSpPr/>
+          <p:nvPr/>
+        </p:nvGrpSpPr>
+        <p:grpSpPr>
+          <a:xfrm>
+            <a:off x="0" y="6026426"/>
+            <a:ext cx="3393881" cy="1008396"/>
+            <a:chOff x="9172284" y="5422460"/>
+            <a:chExt cx="3393881" cy="1008396"/>
+          </a:xfrm>
+        </p:grpSpPr>
+        <p:pic>
+          <p:nvPicPr>
+            <p:cNvPr id="12" name="Picture 11"/>
+            <p:cNvPicPr>
+              <a:picLocks noChangeAspect="1"/>
+            </p:cNvPicPr>
+            <p:nvPr/>
+          </p:nvPicPr>
+          <p:blipFill>
+            <a:blip r:embed="rId4" cstate="print">
+              <a:extLst>
+                <a:ext uri="{28A0092B-C50C-407E-A947-70E740481C1C}">
+                  <a14:useLocalDpi xmlns:a14="http://schemas.microsoft.com/office/drawing/2010/main" val="0"/>
+                </a:ext>
+              </a:extLst>
+            </a:blip>
+            <a:stretch>
+              <a:fillRect/>
+            </a:stretch>
+          </p:blipFill>
+          <p:spPr>
+            <a:xfrm>
+              <a:off x="9172284" y="5422460"/>
+              <a:ext cx="738894" cy="738894"/>
+            </a:xfrm>
+            <a:prstGeom prst="rect">
+              <a:avLst/>
+            </a:prstGeom>
+          </p:spPr>
+        </p:pic>
+        <p:sp>
+          <p:nvSpPr>
+            <p:cNvPr id="13" name="TextBox 12"/>
+            <p:cNvSpPr txBox="1"/>
+            <p:nvPr/>
+          </p:nvSpPr>
+          <p:spPr>
+            <a:xfrm>
+              <a:off x="9727715" y="5599859"/>
+              <a:ext cx="2838450" cy="830997"/>
+            </a:xfrm>
+            <a:prstGeom prst="rect">
+              <a:avLst/>
+            </a:prstGeom>
+            <a:noFill/>
+          </p:spPr>
+          <p:txBody>
+            <a:bodyPr wrap="square" rtlCol="0">
+              <a:spAutoFit/>
+            </a:bodyPr>
+            <a:lstStyle/>
+            <a:p>
+              <a:r>
+                <a:rPr lang="en-US" sz="4800" b="1" dirty="0" smtClean="0">
+                  <a:solidFill>
+                    <a:srgbClr val="005588"/>
+                  </a:solidFill>
+                  <a:latin typeface="Javanese Text" panose="02000000000000000000" pitchFamily="2" charset="0"/>
+                </a:rPr>
+                <a:t>Train</a:t>
+              </a:r>
+              <a:endParaRPr lang="en-US" sz="4800" b="1" dirty="0">
+                <a:solidFill>
+                  <a:srgbClr val="005588"/>
+                </a:solidFill>
+                <a:latin typeface="Javanese Text" panose="02000000000000000000" pitchFamily="2" charset="0"/>
+              </a:endParaRPr>
+            </a:p>
+          </p:txBody>
+        </p:sp>
+      </p:grpSp>
+      <p:sp>
+        <p:nvSpPr>
+          <p:cNvPr id="3" name="Rounded Rectangle 2"/>
+          <p:cNvSpPr/>
+          <p:nvPr/>
+        </p:nvSpPr>
+        <p:spPr>
+          <a:xfrm>
+            <a:off x="0" y="1"/>
+            <a:ext cx="12192000" cy="1333500"/>
+          </a:xfrm>
+          <a:prstGeom prst="roundRect">
+            <a:avLst/>
+          </a:prstGeom>
+        </p:spPr>
+        <p:style>
+          <a:lnRef idx="2">
+            <a:schemeClr val="accent1">
+              <a:shade val="50000"/>
+            </a:schemeClr>
+          </a:lnRef>
+          <a:fillRef idx="1">
+            <a:schemeClr val="accent1"/>
+          </a:fillRef>
+          <a:effectRef idx="0">
+            <a:schemeClr val="accent1"/>
+          </a:effectRef>
+          <a:fontRef idx="minor">
+            <a:schemeClr val="lt1"/>
+          </a:fontRef>
+        </p:style>
+        <p:txBody>
+          <a:bodyPr rtlCol="0" anchor="ctr"/>
+          <a:lstStyle/>
+          <a:p>
+            <a:pPr algn="ctr"/>
+            <a:r>
+              <a:rPr lang="en-US" sz="3600" b="1" dirty="0" smtClean="0"/>
+              <a:t>CSS Variables</a:t>
+            </a:r>
+            <a:endParaRPr lang="en-US" sz="3600" b="1" dirty="0" smtClean="0"/>
+          </a:p>
+        </p:txBody>
+      </p:sp>
+      <p:sp>
+        <p:nvSpPr>
+          <p:cNvPr id="20" name="TextBox 19">
+            <a:extLst>
+              <a:ext uri="{FF2B5EF4-FFF2-40B4-BE49-F238E27FC236}">
+                <a16:creationId xmlns:a16="http://schemas.microsoft.com/office/drawing/2014/main" id="{231E4B19-2C3A-884A-919A-326B2A2F1BA8}"/>
+              </a:ext>
+            </a:extLst>
+          </p:cNvPr>
+          <p:cNvSpPr txBox="1"/>
+          <p:nvPr/>
+        </p:nvSpPr>
+        <p:spPr>
+          <a:xfrm>
+            <a:off x="806012" y="1783860"/>
+            <a:ext cx="10579975" cy="4001095"/>
+          </a:xfrm>
+          <a:prstGeom prst="rect">
+            <a:avLst/>
+          </a:prstGeom>
+          <a:noFill/>
+          <a:ln>
+            <a:solidFill>
+              <a:schemeClr val="accent1"/>
+            </a:solidFill>
+          </a:ln>
+        </p:spPr>
+        <p:txBody>
+          <a:bodyPr wrap="square" lIns="0" tIns="0" rIns="0" bIns="0" rtlCol="0">
+            <a:spAutoFit/>
+          </a:bodyPr>
+          <a:lstStyle/>
+          <a:p>
+            <a:r>
+              <a:rPr lang="en-US" altLang="en-US" sz="2000" b="1" dirty="0"/>
+              <a:t>:root {</a:t>
+            </a:r>
+          </a:p>
+          <a:p>
+            <a:r>
+              <a:rPr lang="en-US" altLang="en-US" sz="2000" b="1" dirty="0"/>
+              <a:t>  --main-</a:t>
+            </a:r>
+            <a:r>
+              <a:rPr lang="en-US" altLang="en-US" sz="2000" b="1" dirty="0" err="1"/>
+              <a:t>bg</a:t>
+            </a:r>
+            <a:r>
+              <a:rPr lang="en-US" altLang="en-US" sz="2000" b="1" dirty="0"/>
+              <a:t>-color: coral;  </a:t>
+            </a:r>
+          </a:p>
+          <a:p>
+            <a:r>
+              <a:rPr lang="en-US" altLang="en-US" sz="2000" b="1" dirty="0"/>
+              <a:t>}</a:t>
+            </a:r>
+          </a:p>
+          <a:p>
+            <a:endParaRPr lang="en-US" altLang="en-US" sz="2000" b="1" dirty="0"/>
+          </a:p>
+          <a:p>
+            <a:r>
+              <a:rPr lang="en-US" altLang="en-US" sz="2000" b="1" dirty="0"/>
+              <a:t>#div1 {</a:t>
+            </a:r>
+          </a:p>
+          <a:p>
+            <a:r>
+              <a:rPr lang="en-US" altLang="en-US" sz="2000" b="1" dirty="0"/>
+              <a:t>  background-color: </a:t>
+            </a:r>
+            <a:r>
+              <a:rPr lang="en-US" altLang="en-US" sz="2000" b="1" dirty="0" err="1"/>
+              <a:t>var</a:t>
+            </a:r>
+            <a:r>
+              <a:rPr lang="en-US" altLang="en-US" sz="2000" b="1" dirty="0"/>
+              <a:t>(--main-</a:t>
+            </a:r>
+            <a:r>
+              <a:rPr lang="en-US" altLang="en-US" sz="2000" b="1" dirty="0" err="1"/>
+              <a:t>bg</a:t>
+            </a:r>
+            <a:r>
+              <a:rPr lang="en-US" altLang="en-US" sz="2000" b="1" dirty="0"/>
+              <a:t>-color);</a:t>
+            </a:r>
+          </a:p>
+          <a:p>
+            <a:r>
+              <a:rPr lang="en-US" altLang="en-US" sz="2000" b="1" dirty="0"/>
+              <a:t>  padding: 5px;  </a:t>
+            </a:r>
+          </a:p>
+          <a:p>
+            <a:r>
+              <a:rPr lang="en-US" altLang="en-US" sz="2000" b="1" dirty="0"/>
+              <a:t>}</a:t>
+            </a:r>
+          </a:p>
+          <a:p>
+            <a:endParaRPr lang="en-US" altLang="en-US" sz="2000" b="1" dirty="0"/>
+          </a:p>
+          <a:p>
+            <a:r>
+              <a:rPr lang="en-US" altLang="en-US" sz="2000" b="1" dirty="0"/>
+              <a:t>#div2 {</a:t>
+            </a:r>
+          </a:p>
+          <a:p>
+            <a:r>
+              <a:rPr lang="en-US" altLang="en-US" sz="2000" b="1" dirty="0"/>
+              <a:t>  background-color: </a:t>
+            </a:r>
+            <a:r>
+              <a:rPr lang="en-US" altLang="en-US" sz="2000" b="1" dirty="0" err="1"/>
+              <a:t>var</a:t>
+            </a:r>
+            <a:r>
+              <a:rPr lang="en-US" altLang="en-US" sz="2000" b="1" dirty="0"/>
+              <a:t>(--main-</a:t>
+            </a:r>
+            <a:r>
+              <a:rPr lang="en-US" altLang="en-US" sz="2000" b="1" dirty="0" err="1"/>
+              <a:t>bg</a:t>
+            </a:r>
+            <a:r>
+              <a:rPr lang="en-US" altLang="en-US" sz="2000" b="1" dirty="0"/>
+              <a:t>-color);</a:t>
+            </a:r>
+          </a:p>
+          <a:p>
+            <a:r>
+              <a:rPr lang="en-US" altLang="en-US" sz="2000" b="1" dirty="0"/>
+              <a:t>  padding: 5px;</a:t>
+            </a:r>
+          </a:p>
+          <a:p>
+            <a:r>
+              <a:rPr lang="en-US" altLang="en-US" sz="2000" b="1" dirty="0"/>
+              <a:t>}</a:t>
+            </a:r>
+            <a:endParaRPr lang="en-US" altLang="en-US" sz="2000" dirty="0"/>
+          </a:p>
+        </p:txBody>
+      </p:sp>
+      <p:sp>
+        <p:nvSpPr>
+          <p:cNvPr id="4" name="Rectangle 3"/>
+          <p:cNvSpPr/>
+          <p:nvPr/>
+        </p:nvSpPr>
+        <p:spPr>
+          <a:xfrm>
+            <a:off x="4104372" y="6296514"/>
+            <a:ext cx="4487190" cy="369332"/>
+          </a:xfrm>
+          <a:prstGeom prst="rect">
+            <a:avLst/>
+          </a:prstGeom>
+        </p:spPr>
+        <p:txBody>
+          <a:bodyPr wrap="none">
+            <a:spAutoFit/>
+          </a:bodyPr>
+          <a:lstStyle/>
+          <a:p>
+            <a:r>
+              <a:rPr lang="en-US" dirty="0">
+                <a:hlinkClick r:id="rId5"/>
+              </a:rPr>
+              <a:t>https://www.w3schools.com/css/css_float.asp</a:t>
+            </a:r>
+            <a:endParaRPr lang="en-US" dirty="0"/>
+          </a:p>
+        </p:txBody>
+      </p:sp>
+    </p:spTree>
+    <p:extLst>
+      <p:ext uri="{BB962C8B-B14F-4D97-AF65-F5344CB8AC3E}">
+        <p14:creationId xmlns:p14="http://schemas.microsoft.com/office/powerpoint/2010/main" val="702906373"/>
+      </p:ext>
+    </p:extLst>
+  </p:cSld>
+  <p:clrMapOvr>
+    <a:masterClrMapping/>
+  </p:clrMapOvr>
+  <p:timing>
+    <p:tnLst>
+      <p:par>
+        <p:cTn id="1" dur="indefinite" restart="never" nodeType="tmRoot"/>
+      </p:par>
+    </p:tnLst>
+  </p:timing>
+</p:sld>
+</file>
+
+<file path=ppt/slides/slide17.xml><?xml version="1.0" encoding="utf-8"?>
+<p:sld xmlns:a="http://schemas.openxmlformats.org/drawingml/2006/main" xmlns:r="http://schemas.openxmlformats.org/officeDocument/2006/relationships" xmlns:p="http://schemas.openxmlformats.org/presentationml/2006/main">
+  <p:cSld>
+    <p:spTree>
+      <p:nvGrpSpPr>
+        <p:cNvPr id="1" name=""/>
+        <p:cNvGrpSpPr/>
+        <p:nvPr/>
+      </p:nvGrpSpPr>
+      <p:grpSpPr>
+        <a:xfrm>
+          <a:off x="0" y="0"/>
+          <a:ext cx="0" cy="0"/>
+          <a:chOff x="0" y="0"/>
+          <a:chExt cx="0" cy="0"/>
+        </a:xfrm>
+      </p:grpSpPr>
+      <p:sp>
+        <p:nvSpPr>
+          <p:cNvPr id="103" name="Freeform 102">
+            <a:extLst>
+              <a:ext uri="{C183D7F6-B498-43B3-948B-1728B52AA6E4}">
+                <adec:decorative xmlns:adec="http://schemas.microsoft.com/office/drawing/2017/decorative" xmlns="" val="1"/>
+              </a:ext>
+            </a:extLst>
+          </p:cNvPr>
+          <p:cNvSpPr/>
+          <p:nvPr/>
+        </p:nvSpPr>
+        <p:spPr>
+          <a:xfrm rot="2700000">
+            <a:off x="11788943" y="6333474"/>
+            <a:ext cx="527486" cy="603188"/>
+          </a:xfrm>
+          <a:custGeom>
+            <a:avLst/>
+            <a:gdLst>
+              <a:gd name="connsiteX0" fmla="*/ 110516 w 889463"/>
+              <a:gd name="connsiteY0" fmla="*/ 95275 h 1017114"/>
+              <a:gd name="connsiteX1" fmla="*/ 230452 w 889463"/>
+              <a:gd name="connsiteY1" fmla="*/ 14411 h 1017114"/>
+              <a:gd name="connsiteX2" fmla="*/ 276877 w 889463"/>
+              <a:gd name="connsiteY2" fmla="*/ 0 h 1017114"/>
+              <a:gd name="connsiteX3" fmla="*/ 889463 w 889463"/>
+              <a:gd name="connsiteY3" fmla="*/ 612585 h 1017114"/>
+              <a:gd name="connsiteX4" fmla="*/ 484934 w 889463"/>
+              <a:gd name="connsiteY4" fmla="*/ 1017114 h 1017114"/>
+              <a:gd name="connsiteX5" fmla="*/ 377324 w 889463"/>
+              <a:gd name="connsiteY5" fmla="*/ 1017114 h 1017114"/>
+              <a:gd name="connsiteX6" fmla="*/ 0 w 889463"/>
+              <a:gd name="connsiteY6" fmla="*/ 639790 h 1017114"/>
+              <a:gd name="connsiteX7" fmla="*/ 0 w 889463"/>
+              <a:gd name="connsiteY7" fmla="*/ 362083 h 1017114"/>
+              <a:gd name="connsiteX8" fmla="*/ 110516 w 889463"/>
+              <a:gd name="connsiteY8" fmla="*/ 95275 h 1017114"/>
+            </a:gdLst>
+            <a:ahLst/>
+            <a:cxnLst>
+              <a:cxn ang="0">
+                <a:pos x="connsiteX0" y="connsiteY0"/>
+              </a:cxn>
+              <a:cxn ang="0">
+                <a:pos x="connsiteX1" y="connsiteY1"/>
+              </a:cxn>
+              <a:cxn ang="0">
+                <a:pos x="connsiteX2" y="connsiteY2"/>
+              </a:cxn>
+              <a:cxn ang="0">
+                <a:pos x="connsiteX3" y="connsiteY3"/>
+              </a:cxn>
+              <a:cxn ang="0">
+                <a:pos x="connsiteX4" y="connsiteY4"/>
+              </a:cxn>
+              <a:cxn ang="0">
+                <a:pos x="connsiteX5" y="connsiteY5"/>
+              </a:cxn>
+              <a:cxn ang="0">
+                <a:pos x="connsiteX6" y="connsiteY6"/>
+              </a:cxn>
+              <a:cxn ang="0">
+                <a:pos x="connsiteX7" y="connsiteY7"/>
+              </a:cxn>
+              <a:cxn ang="0">
+                <a:pos x="connsiteX8" y="connsiteY8"/>
+              </a:cxn>
+            </a:cxnLst>
+            <a:rect l="l" t="t" r="r" b="b"/>
+            <a:pathLst>
+              <a:path w="889463" h="1017114">
+                <a:moveTo>
+                  <a:pt x="110516" y="95275"/>
+                </a:moveTo>
+                <a:cubicBezTo>
+                  <a:pt x="144657" y="61133"/>
+                  <a:pt x="185310" y="33504"/>
+                  <a:pt x="230452" y="14411"/>
+                </a:cubicBezTo>
+                <a:lnTo>
+                  <a:pt x="276877" y="0"/>
+                </a:lnTo>
+                <a:lnTo>
+                  <a:pt x="889463" y="612585"/>
+                </a:lnTo>
+                <a:lnTo>
+                  <a:pt x="484934" y="1017114"/>
+                </a:lnTo>
+                <a:lnTo>
+                  <a:pt x="377324" y="1017114"/>
+                </a:lnTo>
+                <a:cubicBezTo>
+                  <a:pt x="168934" y="1017114"/>
+                  <a:pt x="0" y="848180"/>
+                  <a:pt x="0" y="639790"/>
+                </a:cubicBezTo>
+                <a:lnTo>
+                  <a:pt x="0" y="362083"/>
+                </a:lnTo>
+                <a:cubicBezTo>
+                  <a:pt x="0" y="257888"/>
+                  <a:pt x="42234" y="163556"/>
+                  <a:pt x="110516" y="95275"/>
+                </a:cubicBezTo>
+                <a:close/>
+              </a:path>
+            </a:pathLst>
+          </a:custGeom>
+          <a:solidFill>
+            <a:schemeClr val="tx1">
+              <a:lumMod val="50000"/>
+              <a:lumOff val="50000"/>
+            </a:schemeClr>
+          </a:solidFill>
+          <a:ln>
+            <a:noFill/>
+          </a:ln>
+        </p:spPr>
+        <p:style>
+          <a:lnRef idx="2">
+            <a:schemeClr val="accent1">
+              <a:shade val="50000"/>
+            </a:schemeClr>
+          </a:lnRef>
+          <a:fillRef idx="1">
+            <a:schemeClr val="accent1"/>
+          </a:fillRef>
+          <a:effectRef idx="0">
+            <a:schemeClr val="accent1"/>
+          </a:effectRef>
+          <a:fontRef idx="minor">
+            <a:schemeClr val="lt1"/>
+          </a:fontRef>
+        </p:style>
+        <p:txBody>
+          <a:bodyPr wrap="square" rtlCol="0" anchor="ctr">
+            <a:noAutofit/>
+          </a:bodyPr>
+          <a:lstStyle/>
+          <a:p>
+            <a:pPr algn="ctr"/>
+            <a:endParaRPr lang="en-US" dirty="0">
+              <a:solidFill>
+                <a:srgbClr val="98A3AD"/>
+              </a:solidFill>
+            </a:endParaRPr>
+          </a:p>
+        </p:txBody>
+      </p:sp>
+      <p:sp>
+        <p:nvSpPr>
+          <p:cNvPr id="104" name="TextBox 103"/>
+          <p:cNvSpPr txBox="1"/>
+          <p:nvPr/>
+        </p:nvSpPr>
+        <p:spPr>
+          <a:xfrm>
+            <a:off x="11907454" y="6481180"/>
+            <a:ext cx="341760" cy="307777"/>
+          </a:xfrm>
+          <a:prstGeom prst="rect">
+            <a:avLst/>
+          </a:prstGeom>
+          <a:noFill/>
+        </p:spPr>
+        <p:txBody>
+          <a:bodyPr wrap="none" rtlCol="0">
+            <a:spAutoFit/>
+          </a:bodyPr>
+          <a:lstStyle/>
+          <a:p>
+            <a:r>
+              <a:rPr lang="en-US" sz="1400" b="1" dirty="0" smtClean="0">
+                <a:solidFill>
+                  <a:schemeClr val="bg1"/>
+                </a:solidFill>
+              </a:rPr>
+              <a:t>10</a:t>
+            </a:r>
+            <a:endParaRPr lang="en-US" sz="1400" b="1" dirty="0">
+              <a:solidFill>
+                <a:schemeClr val="bg1"/>
+              </a:solidFill>
+            </a:endParaRPr>
+          </a:p>
+        </p:txBody>
+      </p:sp>
+      <p:pic>
+        <p:nvPicPr>
+          <p:cNvPr id="49" name="Picture 48" descr="This is a logo that reads &quot;24Slides.&quot;">
+            <a:hlinkClick r:id="rId2"/>
+            <a:extLst>
+              <a:ext uri="{FF2B5EF4-FFF2-40B4-BE49-F238E27FC236}">
+                <a16:creationId xmlns:a16="http://schemas.microsoft.com/office/drawing/2014/main" id="{4252D655-5F2C-F447-B537-8C72930D0F51}"/>
+              </a:ext>
+            </a:extLst>
+          </p:cNvPr>
+          <p:cNvPicPr>
+            <a:picLocks noChangeAspect="1"/>
+          </p:cNvPicPr>
+          <p:nvPr/>
+        </p:nvPicPr>
+        <p:blipFill>
+          <a:blip r:embed="rId3"/>
+          <a:stretch>
+            <a:fillRect/>
+          </a:stretch>
+        </p:blipFill>
+        <p:spPr>
+          <a:xfrm>
+            <a:off x="463550" y="6209088"/>
+            <a:ext cx="1028700" cy="293902"/>
+          </a:xfrm>
+          <a:prstGeom prst="rect">
+            <a:avLst/>
+          </a:prstGeom>
+          <a:effectLst/>
+        </p:spPr>
+      </p:pic>
+      <p:sp>
+        <p:nvSpPr>
+          <p:cNvPr id="2" name="Title 1" hidden="1">
+            <a:extLst>
+              <a:ext uri="{FF2B5EF4-FFF2-40B4-BE49-F238E27FC236}">
+                <a16:creationId xmlns:a16="http://schemas.microsoft.com/office/drawing/2014/main" id="{9197F7D1-3F80-4C57-BE5E-6B2971CB1586}"/>
+              </a:ext>
+            </a:extLst>
+          </p:cNvPr>
+          <p:cNvSpPr>
+            <a:spLocks noGrp="1"/>
+          </p:cNvSpPr>
+          <p:nvPr>
+            <p:ph type="title"/>
+          </p:nvPr>
+        </p:nvSpPr>
+        <p:spPr/>
+        <p:txBody>
+          <a:bodyPr/>
+          <a:lstStyle/>
+          <a:p>
+            <a:r>
+              <a:rPr lang="en-US" dirty="0"/>
+              <a:t>Slide 12</a:t>
+            </a:r>
+          </a:p>
+        </p:txBody>
+      </p:sp>
+      <p:grpSp>
+        <p:nvGrpSpPr>
+          <p:cNvPr id="11" name="Group 10"/>
+          <p:cNvGrpSpPr/>
+          <p:nvPr/>
+        </p:nvGrpSpPr>
+        <p:grpSpPr>
+          <a:xfrm>
+            <a:off x="0" y="6026426"/>
+            <a:ext cx="3393881" cy="1008396"/>
+            <a:chOff x="9172284" y="5422460"/>
+            <a:chExt cx="3393881" cy="1008396"/>
+          </a:xfrm>
+        </p:grpSpPr>
+        <p:pic>
+          <p:nvPicPr>
+            <p:cNvPr id="12" name="Picture 11"/>
+            <p:cNvPicPr>
+              <a:picLocks noChangeAspect="1"/>
+            </p:cNvPicPr>
+            <p:nvPr/>
+          </p:nvPicPr>
+          <p:blipFill>
+            <a:blip r:embed="rId4" cstate="print">
+              <a:extLst>
+                <a:ext uri="{28A0092B-C50C-407E-A947-70E740481C1C}">
+                  <a14:useLocalDpi xmlns:a14="http://schemas.microsoft.com/office/drawing/2010/main" val="0"/>
+                </a:ext>
+              </a:extLst>
+            </a:blip>
+            <a:stretch>
+              <a:fillRect/>
+            </a:stretch>
+          </p:blipFill>
+          <p:spPr>
+            <a:xfrm>
+              <a:off x="9172284" y="5422460"/>
+              <a:ext cx="738894" cy="738894"/>
+            </a:xfrm>
+            <a:prstGeom prst="rect">
+              <a:avLst/>
+            </a:prstGeom>
+          </p:spPr>
+        </p:pic>
+        <p:sp>
+          <p:nvSpPr>
+            <p:cNvPr id="13" name="TextBox 12"/>
+            <p:cNvSpPr txBox="1"/>
+            <p:nvPr/>
+          </p:nvSpPr>
+          <p:spPr>
+            <a:xfrm>
+              <a:off x="9727715" y="5599859"/>
+              <a:ext cx="2838450" cy="830997"/>
+            </a:xfrm>
+            <a:prstGeom prst="rect">
+              <a:avLst/>
+            </a:prstGeom>
+            <a:noFill/>
+          </p:spPr>
+          <p:txBody>
+            <a:bodyPr wrap="square" rtlCol="0">
+              <a:spAutoFit/>
+            </a:bodyPr>
+            <a:lstStyle/>
+            <a:p>
+              <a:r>
+                <a:rPr lang="en-US" sz="4800" b="1" dirty="0" smtClean="0">
+                  <a:solidFill>
+                    <a:srgbClr val="005588"/>
+                  </a:solidFill>
+                  <a:latin typeface="Javanese Text" panose="02000000000000000000" pitchFamily="2" charset="0"/>
+                </a:rPr>
+                <a:t>Train</a:t>
+              </a:r>
+              <a:endParaRPr lang="en-US" sz="4800" b="1" dirty="0">
+                <a:solidFill>
+                  <a:srgbClr val="005588"/>
+                </a:solidFill>
+                <a:latin typeface="Javanese Text" panose="02000000000000000000" pitchFamily="2" charset="0"/>
+              </a:endParaRPr>
+            </a:p>
+          </p:txBody>
+        </p:sp>
+      </p:grpSp>
+      <p:sp>
+        <p:nvSpPr>
+          <p:cNvPr id="3" name="Rounded Rectangle 2"/>
+          <p:cNvSpPr/>
+          <p:nvPr/>
+        </p:nvSpPr>
+        <p:spPr>
+          <a:xfrm>
+            <a:off x="0" y="1"/>
+            <a:ext cx="12192000" cy="1333500"/>
+          </a:xfrm>
+          <a:prstGeom prst="roundRect">
+            <a:avLst/>
+          </a:prstGeom>
+        </p:spPr>
+        <p:style>
+          <a:lnRef idx="2">
+            <a:schemeClr val="accent1">
+              <a:shade val="50000"/>
+            </a:schemeClr>
+          </a:lnRef>
+          <a:fillRef idx="1">
+            <a:schemeClr val="accent1"/>
+          </a:fillRef>
+          <a:effectRef idx="0">
+            <a:schemeClr val="accent1"/>
+          </a:effectRef>
+          <a:fontRef idx="minor">
+            <a:schemeClr val="lt1"/>
+          </a:fontRef>
+        </p:style>
+        <p:txBody>
+          <a:bodyPr rtlCol="0" anchor="ctr"/>
+          <a:lstStyle/>
+          <a:p>
+            <a:pPr algn="ctr"/>
+            <a:r>
+              <a:rPr lang="en-US" sz="3600" b="1" dirty="0" smtClean="0"/>
+              <a:t>Media Queries</a:t>
+            </a:r>
+            <a:endParaRPr lang="en-US" sz="3600" b="1" dirty="0" smtClean="0"/>
+          </a:p>
+        </p:txBody>
+      </p:sp>
+      <p:sp>
+        <p:nvSpPr>
+          <p:cNvPr id="20" name="TextBox 19">
+            <a:extLst>
+              <a:ext uri="{FF2B5EF4-FFF2-40B4-BE49-F238E27FC236}">
+                <a16:creationId xmlns:a16="http://schemas.microsoft.com/office/drawing/2014/main" id="{231E4B19-2C3A-884A-919A-326B2A2F1BA8}"/>
+              </a:ext>
+            </a:extLst>
+          </p:cNvPr>
+          <p:cNvSpPr txBox="1"/>
+          <p:nvPr/>
+        </p:nvSpPr>
+        <p:spPr>
+          <a:xfrm>
+            <a:off x="806012" y="1783860"/>
+            <a:ext cx="10579975" cy="2769989"/>
+          </a:xfrm>
+          <a:prstGeom prst="rect">
+            <a:avLst/>
+          </a:prstGeom>
+          <a:noFill/>
+          <a:ln>
+            <a:solidFill>
+              <a:schemeClr val="accent1"/>
+            </a:solidFill>
+          </a:ln>
+        </p:spPr>
+        <p:txBody>
+          <a:bodyPr wrap="square" lIns="0" tIns="0" rIns="0" bIns="0" rtlCol="0">
+            <a:spAutoFit/>
+          </a:bodyPr>
+          <a:lstStyle/>
+          <a:p>
+            <a:r>
+              <a:rPr lang="en-US" altLang="en-US" sz="2000" b="1" dirty="0"/>
+              <a:t>body {</a:t>
+            </a:r>
+          </a:p>
+          <a:p>
+            <a:r>
+              <a:rPr lang="en-US" altLang="en-US" sz="2000" b="1" dirty="0"/>
+              <a:t>  background-color: pink;</a:t>
+            </a:r>
+          </a:p>
+          <a:p>
+            <a:r>
+              <a:rPr lang="en-US" altLang="en-US" sz="2000" b="1" dirty="0"/>
+              <a:t>}</a:t>
+            </a:r>
+          </a:p>
+          <a:p>
+            <a:endParaRPr lang="en-US" altLang="en-US" sz="2000" b="1" dirty="0"/>
+          </a:p>
+          <a:p>
+            <a:r>
+              <a:rPr lang="en-US" altLang="en-US" sz="2000" b="1" dirty="0"/>
+              <a:t>@media screen and (min-width: 480px) {</a:t>
+            </a:r>
+          </a:p>
+          <a:p>
+            <a:r>
+              <a:rPr lang="en-US" altLang="en-US" sz="2000" b="1" dirty="0"/>
+              <a:t>  body {</a:t>
+            </a:r>
+          </a:p>
+          <a:p>
+            <a:r>
+              <a:rPr lang="en-US" altLang="en-US" sz="2000" b="1" dirty="0"/>
+              <a:t>    background-color: </a:t>
+            </a:r>
+            <a:r>
+              <a:rPr lang="en-US" altLang="en-US" sz="2000" b="1" dirty="0" err="1"/>
+              <a:t>lightgreen</a:t>
+            </a:r>
+            <a:r>
+              <a:rPr lang="en-US" altLang="en-US" sz="2000" b="1" dirty="0"/>
+              <a:t>;</a:t>
+            </a:r>
+          </a:p>
+          <a:p>
+            <a:r>
+              <a:rPr lang="en-US" altLang="en-US" sz="2000" b="1" dirty="0"/>
+              <a:t>  }</a:t>
+            </a:r>
+          </a:p>
+          <a:p>
+            <a:r>
+              <a:rPr lang="en-US" altLang="en-US" sz="2000" b="1" dirty="0"/>
+              <a:t>}</a:t>
+            </a:r>
+            <a:endParaRPr lang="en-US" altLang="en-US" sz="2000" dirty="0"/>
+          </a:p>
+        </p:txBody>
+      </p:sp>
+      <p:sp>
+        <p:nvSpPr>
+          <p:cNvPr id="4" name="Rectangle 3"/>
+          <p:cNvSpPr/>
+          <p:nvPr/>
+        </p:nvSpPr>
+        <p:spPr>
+          <a:xfrm>
+            <a:off x="4104372" y="6296514"/>
+            <a:ext cx="4487190" cy="369332"/>
+          </a:xfrm>
+          <a:prstGeom prst="rect">
+            <a:avLst/>
+          </a:prstGeom>
+        </p:spPr>
+        <p:txBody>
+          <a:bodyPr wrap="none">
+            <a:spAutoFit/>
+          </a:bodyPr>
+          <a:lstStyle/>
+          <a:p>
+            <a:r>
+              <a:rPr lang="en-US" dirty="0">
+                <a:hlinkClick r:id="rId5"/>
+              </a:rPr>
+              <a:t>https://www.w3schools.com/css/css_float.asp</a:t>
+            </a:r>
+            <a:endParaRPr lang="en-US" dirty="0"/>
+          </a:p>
+        </p:txBody>
+      </p:sp>
+    </p:spTree>
+    <p:extLst>
+      <p:ext uri="{BB962C8B-B14F-4D97-AF65-F5344CB8AC3E}">
+        <p14:creationId xmlns:p14="http://schemas.microsoft.com/office/powerpoint/2010/main" val="1923057828"/>
+      </p:ext>
+    </p:extLst>
+  </p:cSld>
+  <p:clrMapOvr>
+    <a:masterClrMapping/>
+  </p:clrMapOvr>
+  <p:timing>
+    <p:tnLst>
+      <p:par>
+        <p:cTn id="1" dur="indefinite" restart="never" nodeType="tmRoot"/>
+      </p:par>
+    </p:tnLst>
+  </p:timing>
+</p:sld>
+</file>
+
 <file path=ppt/slides/slide2.xml><?xml version="1.0" encoding="utf-8"?>
 <p:sld xmlns:a="http://schemas.openxmlformats.org/drawingml/2006/main" xmlns:r="http://schemas.openxmlformats.org/officeDocument/2006/relationships" xmlns:p="http://schemas.openxmlformats.org/presentationml/2006/main">
   <p:cSld>
@@ -10222,16 +11355,7 @@
                 </a:solidFill>
                 <a:latin typeface="+mj-lt"/>
               </a:rPr>
-              <a:t>What is </a:t>
-            </a:r>
-            <a:r>
-              <a:rPr lang="en-US" sz="3200" b="1" dirty="0" smtClean="0">
-                <a:solidFill>
-                  <a:srgbClr val="30353F"/>
-                </a:solidFill>
-                <a:latin typeface="+mj-lt"/>
-              </a:rPr>
-              <a:t>CSS?</a:t>
+              <a:t>What is CSS?</a:t>
             </a:r>
             <a:endParaRPr lang="en-US" sz="3200" b="1" dirty="0">
               <a:solidFill>
@@ -10247,7 +11371,7 @@
           <p:cNvPr id="155" name="Rectangle 154">
             <a:extLst>
               <a:ext uri="{C183D7F6-B498-43B3-948B-1728B52AA6E4}">
-                <adec:decorative xmlns="" xmlns:adec="http://schemas.microsoft.com/office/drawing/2017/decorative" val="1"/>
+                <adec:decorative xmlns:adec="http://schemas.microsoft.com/office/drawing/2017/decorative" xmlns="" val="1"/>
               </a:ext>
             </a:extLst>
           </p:cNvPr>
@@ -10301,7 +11425,7 @@
           <p:cNvPr id="1029" name="Rectangle 1028">
             <a:extLst>
               <a:ext uri="{C183D7F6-B498-43B3-948B-1728B52AA6E4}">
-                <adec:decorative xmlns="" xmlns:adec="http://schemas.microsoft.com/office/drawing/2017/decorative" val="1"/>
+                <adec:decorative xmlns:adec="http://schemas.microsoft.com/office/drawing/2017/decorative" xmlns="" val="1"/>
               </a:ext>
             </a:extLst>
           </p:cNvPr>
@@ -10355,7 +11479,7 @@
           <p:cNvPr id="139" name="Rectangle 138">
             <a:extLst>
               <a:ext uri="{C183D7F6-B498-43B3-948B-1728B52AA6E4}">
-                <adec:decorative xmlns="" xmlns:adec="http://schemas.microsoft.com/office/drawing/2017/decorative" val="1"/>
+                <adec:decorative xmlns:adec="http://schemas.microsoft.com/office/drawing/2017/decorative" xmlns="" val="1"/>
               </a:ext>
             </a:extLst>
           </p:cNvPr>
@@ -10409,7 +11533,7 @@
           <p:cNvPr id="140" name="Rectangle 139">
             <a:extLst>
               <a:ext uri="{C183D7F6-B498-43B3-948B-1728B52AA6E4}">
-                <adec:decorative xmlns="" xmlns:adec="http://schemas.microsoft.com/office/drawing/2017/decorative" val="1"/>
+                <adec:decorative xmlns:adec="http://schemas.microsoft.com/office/drawing/2017/decorative" xmlns="" val="1"/>
               </a:ext>
             </a:extLst>
           </p:cNvPr>
@@ -11295,7 +12419,7 @@
                 <a16:creationId xmlns:a16="http://schemas.microsoft.com/office/drawing/2014/main" id="{189E3C56-F900-44E7-BF74-7509E4A585C5}"/>
               </a:ext>
               <a:ext uri="{C183D7F6-B498-43B3-948B-1728B52AA6E4}">
-                <adec:decorative xmlns="" xmlns:adec="http://schemas.microsoft.com/office/drawing/2017/decorative" val="1"/>
+                <adec:decorative xmlns:adec="http://schemas.microsoft.com/office/drawing/2017/decorative" xmlns="" val="1"/>
               </a:ext>
             </a:extLst>
           </p:cNvPr>
@@ -11760,11 +12884,7 @@
           <a:p>
             <a:r>
               <a:rPr lang="en-US" sz="1600" dirty="0"/>
-              <a:t>body</a:t>
-            </a:r>
-            <a:r>
-              <a:rPr lang="en-US" sz="1600" dirty="0"/>
-              <a:t> {</a:t>
+              <a:t>body {</a:t>
             </a:r>
             <a:br>
               <a:rPr lang="en-US" sz="1600" dirty="0"/>
@@ -11829,7 +12949,6 @@
               <a:rPr lang="en-US" sz="1600" dirty="0"/>
               <a:t>&lt;/style&gt;</a:t>
             </a:r>
-            <a:endParaRPr lang="en-US" sz="1600" dirty="0"/>
           </a:p>
         </p:txBody>
       </p:sp>
@@ -12028,7 +13147,7 @@
           <p:cNvPr id="20" name="Freeform 19">
             <a:extLst>
               <a:ext uri="{C183D7F6-B498-43B3-948B-1728B52AA6E4}">
-                <adec:decorative xmlns="" xmlns:adec="http://schemas.microsoft.com/office/drawing/2017/decorative" val="1"/>
+                <adec:decorative xmlns:adec="http://schemas.microsoft.com/office/drawing/2017/decorative" xmlns="" val="1"/>
               </a:ext>
             </a:extLst>
           </p:cNvPr>
@@ -12211,7 +13330,7 @@
           <p:cNvPr id="182" name="Rectangle 181">
             <a:extLst>
               <a:ext uri="{C183D7F6-B498-43B3-948B-1728B52AA6E4}">
-                <adec:decorative xmlns="" xmlns:adec="http://schemas.microsoft.com/office/drawing/2017/decorative" val="1"/>
+                <adec:decorative xmlns:adec="http://schemas.microsoft.com/office/drawing/2017/decorative" xmlns="" val="1"/>
               </a:ext>
             </a:extLst>
           </p:cNvPr>
@@ -12263,7 +13382,7 @@
           <p:cNvPr id="183" name="Rectangle 182">
             <a:extLst>
               <a:ext uri="{C183D7F6-B498-43B3-948B-1728B52AA6E4}">
-                <adec:decorative xmlns="" xmlns:adec="http://schemas.microsoft.com/office/drawing/2017/decorative" val="1"/>
+                <adec:decorative xmlns:adec="http://schemas.microsoft.com/office/drawing/2017/decorative" xmlns="" val="1"/>
               </a:ext>
             </a:extLst>
           </p:cNvPr>
@@ -12315,7 +13434,7 @@
           <p:cNvPr id="184" name="Rectangle 183">
             <a:extLst>
               <a:ext uri="{C183D7F6-B498-43B3-948B-1728B52AA6E4}">
-                <adec:decorative xmlns="" xmlns:adec="http://schemas.microsoft.com/office/drawing/2017/decorative" val="1"/>
+                <adec:decorative xmlns:adec="http://schemas.microsoft.com/office/drawing/2017/decorative" xmlns="" val="1"/>
               </a:ext>
             </a:extLst>
           </p:cNvPr>
@@ -12367,7 +13486,7 @@
           <p:cNvPr id="177" name="Rectangle 176">
             <a:extLst>
               <a:ext uri="{C183D7F6-B498-43B3-948B-1728B52AA6E4}">
-                <adec:decorative xmlns="" xmlns:adec="http://schemas.microsoft.com/office/drawing/2017/decorative" val="1"/>
+                <adec:decorative xmlns:adec="http://schemas.microsoft.com/office/drawing/2017/decorative" xmlns="" val="1"/>
               </a:ext>
             </a:extLst>
           </p:cNvPr>
@@ -12505,12 +13624,6 @@
               </a:rPr>
               <a:t>Anatomy of CSS</a:t>
             </a:r>
-            <a:endParaRPr lang="en-US" sz="3200" b="1" dirty="0" smtClean="0">
-              <a:solidFill>
-                <a:srgbClr val="30353F"/>
-              </a:solidFill>
-              <a:latin typeface="+mj-lt"/>
-            </a:endParaRPr>
           </a:p>
         </p:txBody>
       </p:sp>
@@ -12710,7 +13823,7 @@
           <p:cNvPr id="38" name="Freeform 37">
             <a:extLst>
               <a:ext uri="{C183D7F6-B498-43B3-948B-1728B52AA6E4}">
-                <adec:decorative xmlns="" xmlns:adec="http://schemas.microsoft.com/office/drawing/2017/decorative" val="1"/>
+                <adec:decorative xmlns:adec="http://schemas.microsoft.com/office/drawing/2017/decorative" xmlns="" val="1"/>
               </a:ext>
             </a:extLst>
           </p:cNvPr>
@@ -13082,7 +14195,7 @@
             <p:cNvPr id="96" name="Rectangle 95">
               <a:extLst>
                 <a:ext uri="{C183D7F6-B498-43B3-948B-1728B52AA6E4}">
-                  <adec:decorative xmlns="" xmlns:adec="http://schemas.microsoft.com/office/drawing/2017/decorative" val="1"/>
+                  <adec:decorative xmlns:adec="http://schemas.microsoft.com/office/drawing/2017/decorative" xmlns="" val="1"/>
                 </a:ext>
               </a:extLst>
             </p:cNvPr>
@@ -13143,7 +14256,7 @@
             <p:cNvPr id="78" name="Oval 77">
               <a:extLst>
                 <a:ext uri="{C183D7F6-B498-43B3-948B-1728B52AA6E4}">
-                  <adec:decorative xmlns="" xmlns:adec="http://schemas.microsoft.com/office/drawing/2017/decorative" val="1"/>
+                  <adec:decorative xmlns:adec="http://schemas.microsoft.com/office/drawing/2017/decorative" xmlns="" val="1"/>
                 </a:ext>
               </a:extLst>
             </p:cNvPr>
@@ -14308,7 +15421,7 @@
             <p:cNvPr id="97" name="Rectangle 96">
               <a:extLst>
                 <a:ext uri="{C183D7F6-B498-43B3-948B-1728B52AA6E4}">
-                  <adec:decorative xmlns="" xmlns:adec="http://schemas.microsoft.com/office/drawing/2017/decorative" val="1"/>
+                  <adec:decorative xmlns:adec="http://schemas.microsoft.com/office/drawing/2017/decorative" xmlns="" val="1"/>
                 </a:ext>
               </a:extLst>
             </p:cNvPr>
@@ -14369,7 +15482,7 @@
             <p:cNvPr id="86" name="Oval 85">
               <a:extLst>
                 <a:ext uri="{C183D7F6-B498-43B3-948B-1728B52AA6E4}">
-                  <adec:decorative xmlns="" xmlns:adec="http://schemas.microsoft.com/office/drawing/2017/decorative" val="1"/>
+                  <adec:decorative xmlns:adec="http://schemas.microsoft.com/office/drawing/2017/decorative" xmlns="" val="1"/>
                 </a:ext>
               </a:extLst>
             </p:cNvPr>
@@ -15016,7 +16129,7 @@
             <p:cNvPr id="98" name="Rectangle 97">
               <a:extLst>
                 <a:ext uri="{C183D7F6-B498-43B3-948B-1728B52AA6E4}">
-                  <adec:decorative xmlns="" xmlns:adec="http://schemas.microsoft.com/office/drawing/2017/decorative" val="1"/>
+                  <adec:decorative xmlns:adec="http://schemas.microsoft.com/office/drawing/2017/decorative" xmlns="" val="1"/>
                 </a:ext>
               </a:extLst>
             </p:cNvPr>
@@ -15077,7 +16190,7 @@
             <p:cNvPr id="85" name="Oval 84">
               <a:extLst>
                 <a:ext uri="{C183D7F6-B498-43B3-948B-1728B52AA6E4}">
-                  <adec:decorative xmlns="" xmlns:adec="http://schemas.microsoft.com/office/drawing/2017/decorative" val="1"/>
+                  <adec:decorative xmlns:adec="http://schemas.microsoft.com/office/drawing/2017/decorative" xmlns="" val="1"/>
                 </a:ext>
               </a:extLst>
             </p:cNvPr>
@@ -16028,7 +17141,6 @@
                 <a:rPr lang="en-US" sz="2000" dirty="0" smtClean="0"/>
                 <a:t>}</a:t>
               </a:r>
-              <a:endParaRPr lang="en-US" sz="2000" dirty="0" smtClean="0"/>
             </a:p>
           </p:txBody>
         </p:sp>
@@ -16456,7 +17568,7 @@
           <p:cNvPr id="103" name="Freeform 102">
             <a:extLst>
               <a:ext uri="{C183D7F6-B498-43B3-948B-1728B52AA6E4}">
-                <adec:decorative xmlns="" xmlns:adec="http://schemas.microsoft.com/office/drawing/2017/decorative" val="1"/>
+                <adec:decorative xmlns:adec="http://schemas.microsoft.com/office/drawing/2017/decorative" xmlns="" val="1"/>
               </a:ext>
             </a:extLst>
           </p:cNvPr>
@@ -17090,7 +18202,7 @@
           <p:cNvPr id="15" name="Freeform 14">
             <a:extLst>
               <a:ext uri="{C183D7F6-B498-43B3-948B-1728B52AA6E4}">
-                <adec:decorative xmlns="" xmlns:adec="http://schemas.microsoft.com/office/drawing/2017/decorative" val="1"/>
+                <adec:decorative xmlns:adec="http://schemas.microsoft.com/office/drawing/2017/decorative" xmlns="" val="1"/>
               </a:ext>
             </a:extLst>
           </p:cNvPr>
@@ -17273,7 +18385,7 @@
           <p:cNvPr id="138" name="Rectangle 137">
             <a:extLst>
               <a:ext uri="{C183D7F6-B498-43B3-948B-1728B52AA6E4}">
-                <adec:decorative xmlns="" xmlns:adec="http://schemas.microsoft.com/office/drawing/2017/decorative" val="1"/>
+                <adec:decorative xmlns:adec="http://schemas.microsoft.com/office/drawing/2017/decorative" xmlns="" val="1"/>
               </a:ext>
             </a:extLst>
           </p:cNvPr>
@@ -17557,7 +18669,7 @@
           <p:cNvPr id="141" name="Rectangle 140">
             <a:extLst>
               <a:ext uri="{C183D7F6-B498-43B3-948B-1728B52AA6E4}">
-                <adec:decorative xmlns="" xmlns:adec="http://schemas.microsoft.com/office/drawing/2017/decorative" val="1"/>
+                <adec:decorative xmlns:adec="http://schemas.microsoft.com/office/drawing/2017/decorative" xmlns="" val="1"/>
               </a:ext>
             </a:extLst>
           </p:cNvPr>
@@ -17620,7 +18732,7 @@
           <p:cNvPr id="4" name="Group 3">
             <a:extLst>
               <a:ext uri="{C183D7F6-B498-43B3-948B-1728B52AA6E4}">
-                <adec:decorative xmlns="" xmlns:adec="http://schemas.microsoft.com/office/drawing/2017/decorative" val="1"/>
+                <adec:decorative xmlns:adec="http://schemas.microsoft.com/office/drawing/2017/decorative" xmlns="" val="1"/>
               </a:ext>
             </a:extLst>
           </p:cNvPr>
@@ -17792,7 +18904,7 @@
           <p:cNvPr id="145" name="Rectangle 144">
             <a:extLst>
               <a:ext uri="{C183D7F6-B498-43B3-948B-1728B52AA6E4}">
-                <adec:decorative xmlns="" xmlns:adec="http://schemas.microsoft.com/office/drawing/2017/decorative" val="1"/>
+                <adec:decorative xmlns:adec="http://schemas.microsoft.com/office/drawing/2017/decorative" xmlns="" val="1"/>
               </a:ext>
             </a:extLst>
           </p:cNvPr>
@@ -17855,7 +18967,7 @@
           <p:cNvPr id="6" name="Group 5">
             <a:extLst>
               <a:ext uri="{C183D7F6-B498-43B3-948B-1728B52AA6E4}">
-                <adec:decorative xmlns="" xmlns:adec="http://schemas.microsoft.com/office/drawing/2017/decorative" val="1"/>
+                <adec:decorative xmlns:adec="http://schemas.microsoft.com/office/drawing/2017/decorative" xmlns="" val="1"/>
               </a:ext>
             </a:extLst>
           </p:cNvPr>
@@ -18457,7 +19569,7 @@
           <p:cNvPr id="103" name="Freeform 102">
             <a:extLst>
               <a:ext uri="{C183D7F6-B498-43B3-948B-1728B52AA6E4}">
-                <adec:decorative xmlns="" xmlns:adec="http://schemas.microsoft.com/office/drawing/2017/decorative" val="1"/>
+                <adec:decorative xmlns:adec="http://schemas.microsoft.com/office/drawing/2017/decorative" xmlns="" val="1"/>
               </a:ext>
             </a:extLst>
           </p:cNvPr>
@@ -19061,7 +20173,7 @@
           <p:cNvPr id="103" name="Freeform 102">
             <a:extLst>
               <a:ext uri="{C183D7F6-B498-43B3-948B-1728B52AA6E4}">
-                <adec:decorative xmlns="" xmlns:adec="http://schemas.microsoft.com/office/drawing/2017/decorative" val="1"/>
+                <adec:decorative xmlns:adec="http://schemas.microsoft.com/office/drawing/2017/decorative" xmlns="" val="1"/>
               </a:ext>
             </a:extLst>
           </p:cNvPr>
@@ -19632,7 +20744,7 @@
           <p:cNvPr id="103" name="Freeform 102">
             <a:extLst>
               <a:ext uri="{C183D7F6-B498-43B3-948B-1728B52AA6E4}">
-                <adec:decorative xmlns="" xmlns:adec="http://schemas.microsoft.com/office/drawing/2017/decorative" val="1"/>
+                <adec:decorative xmlns:adec="http://schemas.microsoft.com/office/drawing/2017/decorative" xmlns="" val="1"/>
               </a:ext>
             </a:extLst>
           </p:cNvPr>
